--- a/native application.pptx
+++ b/native application.pptx
@@ -25,6 +25,9 @@
     <p:sldId id="272" r:id="rId19"/>
     <p:sldId id="276" r:id="rId20"/>
     <p:sldId id="277" r:id="rId21"/>
+    <p:sldId id="278" r:id="rId22"/>
+    <p:sldId id="279" r:id="rId23"/>
+    <p:sldId id="280" r:id="rId24"/>
   </p:sldIdLst>
   <p:sldSz cx="9144000" cy="6858000" type="screen4x3"/>
   <p:notesSz cx="6858000" cy="9144000"/>
@@ -307,7 +310,7 @@
           <a:p>
             <a:fld id="{AA309A6D-C09C-4548-B29A-6CF363A7E532}" type="datetimeFigureOut">
               <a:rPr lang="fr-FR" smtClean="0"/>
-              <a:t>24/03/2020</a:t>
+              <a:t>25/03/2020</a:t>
             </a:fld>
             <a:endParaRPr lang="fr-BE"/>
           </a:p>
@@ -472,7 +475,7 @@
           <a:p>
             <a:fld id="{AA309A6D-C09C-4548-B29A-6CF363A7E532}" type="datetimeFigureOut">
               <a:rPr lang="fr-FR" smtClean="0"/>
-              <a:t>24/03/2020</a:t>
+              <a:t>25/03/2020</a:t>
             </a:fld>
             <a:endParaRPr lang="fr-BE"/>
           </a:p>
@@ -647,7 +650,7 @@
           <a:p>
             <a:fld id="{AA309A6D-C09C-4548-B29A-6CF363A7E532}" type="datetimeFigureOut">
               <a:rPr lang="fr-FR" smtClean="0"/>
-              <a:t>24/03/2020</a:t>
+              <a:t>25/03/2020</a:t>
             </a:fld>
             <a:endParaRPr lang="fr-BE"/>
           </a:p>
@@ -812,7 +815,7 @@
           <a:p>
             <a:fld id="{AA309A6D-C09C-4548-B29A-6CF363A7E532}" type="datetimeFigureOut">
               <a:rPr lang="fr-FR" smtClean="0"/>
-              <a:t>24/03/2020</a:t>
+              <a:t>25/03/2020</a:t>
             </a:fld>
             <a:endParaRPr lang="fr-BE"/>
           </a:p>
@@ -1053,7 +1056,7 @@
           <a:p>
             <a:fld id="{AA309A6D-C09C-4548-B29A-6CF363A7E532}" type="datetimeFigureOut">
               <a:rPr lang="fr-FR" smtClean="0"/>
-              <a:t>24/03/2020</a:t>
+              <a:t>25/03/2020</a:t>
             </a:fld>
             <a:endParaRPr lang="fr-BE"/>
           </a:p>
@@ -1336,7 +1339,7 @@
           <a:p>
             <a:fld id="{AA309A6D-C09C-4548-B29A-6CF363A7E532}" type="datetimeFigureOut">
               <a:rPr lang="fr-FR" smtClean="0"/>
-              <a:t>24/03/2020</a:t>
+              <a:t>25/03/2020</a:t>
             </a:fld>
             <a:endParaRPr lang="fr-BE"/>
           </a:p>
@@ -1753,7 +1756,7 @@
           <a:p>
             <a:fld id="{AA309A6D-C09C-4548-B29A-6CF363A7E532}" type="datetimeFigureOut">
               <a:rPr lang="fr-FR" smtClean="0"/>
-              <a:t>24/03/2020</a:t>
+              <a:t>25/03/2020</a:t>
             </a:fld>
             <a:endParaRPr lang="fr-BE"/>
           </a:p>
@@ -1866,7 +1869,7 @@
           <a:p>
             <a:fld id="{AA309A6D-C09C-4548-B29A-6CF363A7E532}" type="datetimeFigureOut">
               <a:rPr lang="fr-FR" smtClean="0"/>
-              <a:t>24/03/2020</a:t>
+              <a:t>25/03/2020</a:t>
             </a:fld>
             <a:endParaRPr lang="fr-BE"/>
           </a:p>
@@ -1956,7 +1959,7 @@
           <a:p>
             <a:fld id="{AA309A6D-C09C-4548-B29A-6CF363A7E532}" type="datetimeFigureOut">
               <a:rPr lang="fr-FR" smtClean="0"/>
-              <a:t>24/03/2020</a:t>
+              <a:t>25/03/2020</a:t>
             </a:fld>
             <a:endParaRPr lang="fr-BE"/>
           </a:p>
@@ -2228,7 +2231,7 @@
           <a:p>
             <a:fld id="{AA309A6D-C09C-4548-B29A-6CF363A7E532}" type="datetimeFigureOut">
               <a:rPr lang="fr-FR" smtClean="0"/>
-              <a:t>24/03/2020</a:t>
+              <a:t>25/03/2020</a:t>
             </a:fld>
             <a:endParaRPr lang="fr-BE"/>
           </a:p>
@@ -2476,7 +2479,7 @@
           <a:p>
             <a:fld id="{AA309A6D-C09C-4548-B29A-6CF363A7E532}" type="datetimeFigureOut">
               <a:rPr lang="fr-FR" smtClean="0"/>
-              <a:t>24/03/2020</a:t>
+              <a:t>25/03/2020</a:t>
             </a:fld>
             <a:endParaRPr lang="fr-BE"/>
           </a:p>
@@ -2684,7 +2687,7 @@
           <a:p>
             <a:fld id="{AA309A6D-C09C-4548-B29A-6CF363A7E532}" type="datetimeFigureOut">
               <a:rPr lang="fr-FR" smtClean="0"/>
-              <a:t>24/03/2020</a:t>
+              <a:t>25/03/2020</a:t>
             </a:fld>
             <a:endParaRPr lang="fr-BE"/>
           </a:p>
@@ -5481,50 +5484,249 @@
           </a:extLst>
         </p:spPr>
       </p:pic>
-      <p:sp>
-        <p:nvSpPr>
-          <p:cNvPr id="6" name="Croix 5"/>
-          <p:cNvSpPr/>
+      <p:pic>
+        <p:nvPicPr>
+          <p:cNvPr id="1026" name="Picture 2"/>
+          <p:cNvPicPr>
+            <a:picLocks noChangeAspect="1" noChangeArrowheads="1"/>
+          </p:cNvPicPr>
           <p:nvPr/>
-        </p:nvSpPr>
-        <p:spPr>
-          <a:xfrm>
-            <a:off x="3635896" y="1124744"/>
-            <a:ext cx="648072" cy="648072"/>
-          </a:xfrm>
-          <a:prstGeom prst="plus">
+        </p:nvPicPr>
+        <p:blipFill>
+          <a:blip r:embed="rId3">
+            <a:extLst>
+              <a:ext uri="{28A0092B-C50C-407E-A947-70E740481C1C}">
+                <a14:useLocalDpi xmlns:a14="http://schemas.microsoft.com/office/drawing/2010/main" val="0"/>
+              </a:ext>
+            </a:extLst>
+          </a:blip>
+          <a:srcRect/>
+          <a:stretch>
+            <a:fillRect/>
+          </a:stretch>
+        </p:blipFill>
+        <p:spPr bwMode="auto">
+          <a:xfrm>
+            <a:off x="80659" y="3066630"/>
+            <a:ext cx="8739813" cy="3287914"/>
+          </a:xfrm>
+          <a:prstGeom prst="rect">
             <a:avLst/>
           </a:prstGeom>
-        </p:spPr>
-        <p:style>
-          <a:lnRef idx="2">
-            <a:schemeClr val="accent1">
-              <a:shade val="50000"/>
-            </a:schemeClr>
-          </a:lnRef>
-          <a:fillRef idx="1">
-            <a:schemeClr val="accent1"/>
-          </a:fillRef>
-          <a:effectRef idx="0">
-            <a:schemeClr val="accent1"/>
-          </a:effectRef>
-          <a:fontRef idx="minor">
-            <a:schemeClr val="lt1"/>
-          </a:fontRef>
-        </p:style>
-        <p:txBody>
-          <a:bodyPr rtlCol="0" anchor="ctr"/>
-          <a:lstStyle/>
-          <a:p>
-            <a:pPr algn="ctr"/>
-            <a:endParaRPr lang="fr-FR"/>
-          </a:p>
-        </p:txBody>
-      </p:sp>
+          <a:noFill/>
+          <a:ln>
+            <a:noFill/>
+          </a:ln>
+          <a:effectLst/>
+          <a:extLst>
+            <a:ext uri="{909E8E84-426E-40DD-AFC4-6F175D3DCCD1}">
+              <a14:hiddenFill xmlns:a14="http://schemas.microsoft.com/office/drawing/2010/main">
+                <a:solidFill>
+                  <a:schemeClr val="accent1"/>
+                </a:solidFill>
+              </a14:hiddenFill>
+            </a:ext>
+            <a:ext uri="{91240B29-F687-4F45-9708-019B960494DF}">
+              <a14:hiddenLine xmlns:a14="http://schemas.microsoft.com/office/drawing/2010/main" w="9525">
+                <a:solidFill>
+                  <a:schemeClr val="tx1"/>
+                </a:solidFill>
+                <a:miter lim="800000"/>
+                <a:headEnd/>
+                <a:tailEnd/>
+              </a14:hiddenLine>
+            </a:ext>
+            <a:ext uri="{AF507438-7753-43E0-B8FC-AC1667EBCBE1}">
+              <a14:hiddenEffects xmlns:a14="http://schemas.microsoft.com/office/drawing/2010/main">
+                <a:effectLst>
+                  <a:outerShdw dist="35921" dir="2700000" algn="ctr" rotWithShape="0">
+                    <a:schemeClr val="bg2"/>
+                  </a:outerShdw>
+                </a:effectLst>
+              </a14:hiddenEffects>
+            </a:ext>
+          </a:extLst>
+        </p:spPr>
+      </p:pic>
     </p:spTree>
     <p:extLst>
       <p:ext uri="{BB962C8B-B14F-4D97-AF65-F5344CB8AC3E}">
         <p14:creationId xmlns:p14="http://schemas.microsoft.com/office/powerpoint/2010/main" val="845458861"/>
+      </p:ext>
+    </p:extLst>
+  </p:cSld>
+  <p:clrMapOvr>
+    <a:masterClrMapping/>
+  </p:clrMapOvr>
+  <p:timing>
+    <p:tnLst>
+      <p:par>
+        <p:cTn id="1" dur="indefinite" restart="never" nodeType="tmRoot"/>
+      </p:par>
+    </p:tnLst>
+  </p:timing>
+</p:sld>
+</file>
+
+<file path=ppt/slides/slide21.xml><?xml version="1.0" encoding="utf-8"?>
+<p:sld xmlns:a="http://schemas.openxmlformats.org/drawingml/2006/main" xmlns:r="http://schemas.openxmlformats.org/officeDocument/2006/relationships" xmlns:p="http://schemas.openxmlformats.org/presentationml/2006/main">
+  <p:cSld>
+    <p:spTree>
+      <p:nvGrpSpPr>
+        <p:cNvPr id="1" name=""/>
+        <p:cNvGrpSpPr/>
+        <p:nvPr/>
+      </p:nvGrpSpPr>
+      <p:grpSpPr>
+        <a:xfrm>
+          <a:off x="0" y="0"/>
+          <a:ext cx="0" cy="0"/>
+          <a:chOff x="0" y="0"/>
+          <a:chExt cx="0" cy="0"/>
+        </a:xfrm>
+      </p:grpSpPr>
+      <p:pic>
+        <p:nvPicPr>
+          <p:cNvPr id="2050" name="Picture 2"/>
+          <p:cNvPicPr>
+            <a:picLocks noChangeAspect="1" noChangeArrowheads="1"/>
+          </p:cNvPicPr>
+          <p:nvPr/>
+        </p:nvPicPr>
+        <p:blipFill>
+          <a:blip r:embed="rId2">
+            <a:extLst>
+              <a:ext uri="{28A0092B-C50C-407E-A947-70E740481C1C}">
+                <a14:useLocalDpi xmlns:a14="http://schemas.microsoft.com/office/drawing/2010/main" val="0"/>
+              </a:ext>
+            </a:extLst>
+          </a:blip>
+          <a:srcRect/>
+          <a:stretch>
+            <a:fillRect/>
+          </a:stretch>
+        </p:blipFill>
+        <p:spPr bwMode="auto">
+          <a:xfrm>
+            <a:off x="251520" y="116632"/>
+            <a:ext cx="8305800" cy="2867025"/>
+          </a:xfrm>
+          <a:prstGeom prst="rect">
+            <a:avLst/>
+          </a:prstGeom>
+          <a:noFill/>
+          <a:ln>
+            <a:noFill/>
+          </a:ln>
+          <a:effectLst/>
+          <a:extLst>
+            <a:ext uri="{909E8E84-426E-40DD-AFC4-6F175D3DCCD1}">
+              <a14:hiddenFill xmlns:a14="http://schemas.microsoft.com/office/drawing/2010/main">
+                <a:solidFill>
+                  <a:schemeClr val="accent1"/>
+                </a:solidFill>
+              </a14:hiddenFill>
+            </a:ext>
+            <a:ext uri="{91240B29-F687-4F45-9708-019B960494DF}">
+              <a14:hiddenLine xmlns:a14="http://schemas.microsoft.com/office/drawing/2010/main" w="9525">
+                <a:solidFill>
+                  <a:schemeClr val="tx1"/>
+                </a:solidFill>
+                <a:miter lim="800000"/>
+                <a:headEnd/>
+                <a:tailEnd/>
+              </a14:hiddenLine>
+            </a:ext>
+            <a:ext uri="{AF507438-7753-43E0-B8FC-AC1667EBCBE1}">
+              <a14:hiddenEffects xmlns:a14="http://schemas.microsoft.com/office/drawing/2010/main">
+                <a:effectLst>
+                  <a:outerShdw dist="35921" dir="2700000" algn="ctr" rotWithShape="0">
+                    <a:schemeClr val="bg2"/>
+                  </a:outerShdw>
+                </a:effectLst>
+              </a14:hiddenEffects>
+            </a:ext>
+          </a:extLst>
+        </p:spPr>
+      </p:pic>
+    </p:spTree>
+    <p:extLst>
+      <p:ext uri="{BB962C8B-B14F-4D97-AF65-F5344CB8AC3E}">
+        <p14:creationId xmlns:p14="http://schemas.microsoft.com/office/powerpoint/2010/main" val="302210237"/>
+      </p:ext>
+    </p:extLst>
+  </p:cSld>
+  <p:clrMapOvr>
+    <a:masterClrMapping/>
+  </p:clrMapOvr>
+  <p:timing>
+    <p:tnLst>
+      <p:par>
+        <p:cTn id="1" dur="indefinite" restart="never" nodeType="tmRoot"/>
+      </p:par>
+    </p:tnLst>
+  </p:timing>
+</p:sld>
+</file>
+
+<file path=ppt/slides/slide22.xml><?xml version="1.0" encoding="utf-8"?>
+<p:sld xmlns:a="http://schemas.openxmlformats.org/drawingml/2006/main" xmlns:r="http://schemas.openxmlformats.org/officeDocument/2006/relationships" xmlns:p="http://schemas.openxmlformats.org/presentationml/2006/main">
+  <p:cSld>
+    <p:spTree>
+      <p:nvGrpSpPr>
+        <p:cNvPr id="1" name=""/>
+        <p:cNvGrpSpPr/>
+        <p:nvPr/>
+      </p:nvGrpSpPr>
+      <p:grpSpPr>
+        <a:xfrm>
+          <a:off x="0" y="0"/>
+          <a:ext cx="0" cy="0"/>
+          <a:chOff x="0" y="0"/>
+          <a:chExt cx="0" cy="0"/>
+        </a:xfrm>
+      </p:grpSpPr>
+    </p:spTree>
+    <p:extLst>
+      <p:ext uri="{BB962C8B-B14F-4D97-AF65-F5344CB8AC3E}">
+        <p14:creationId xmlns:p14="http://schemas.microsoft.com/office/powerpoint/2010/main" val="2959498492"/>
+      </p:ext>
+    </p:extLst>
+  </p:cSld>
+  <p:clrMapOvr>
+    <a:masterClrMapping/>
+  </p:clrMapOvr>
+  <p:timing>
+    <p:tnLst>
+      <p:par>
+        <p:cTn id="1" dur="indefinite" restart="never" nodeType="tmRoot"/>
+      </p:par>
+    </p:tnLst>
+  </p:timing>
+</p:sld>
+</file>
+
+<file path=ppt/slides/slide23.xml><?xml version="1.0" encoding="utf-8"?>
+<p:sld xmlns:a="http://schemas.openxmlformats.org/drawingml/2006/main" xmlns:r="http://schemas.openxmlformats.org/officeDocument/2006/relationships" xmlns:p="http://schemas.openxmlformats.org/presentationml/2006/main">
+  <p:cSld>
+    <p:spTree>
+      <p:nvGrpSpPr>
+        <p:cNvPr id="1" name=""/>
+        <p:cNvGrpSpPr/>
+        <p:nvPr/>
+      </p:nvGrpSpPr>
+      <p:grpSpPr>
+        <a:xfrm>
+          <a:off x="0" y="0"/>
+          <a:ext cx="0" cy="0"/>
+          <a:chOff x="0" y="0"/>
+          <a:chExt cx="0" cy="0"/>
+        </a:xfrm>
+      </p:grpSpPr>
+    </p:spTree>
+    <p:extLst>
+      <p:ext uri="{BB962C8B-B14F-4D97-AF65-F5344CB8AC3E}">
+        <p14:creationId xmlns:p14="http://schemas.microsoft.com/office/powerpoint/2010/main" val="2959498492"/>
       </p:ext>
     </p:extLst>
   </p:cSld>
@@ -7001,11 +7203,7 @@
             </a:pPr>
             <a:r>
               <a:rPr lang="fr-FR" sz="2400" b="1" dirty="0" smtClean="0"/>
-              <a:t>Installation</a:t>
-            </a:r>
-            <a:r>
-              <a:rPr lang="fr-FR" sz="2400" b="1" dirty="0" smtClean="0"/>
-              <a:t>:</a:t>
+              <a:t>Installation:</a:t>
             </a:r>
             <a:endParaRPr lang="fr-FR" sz="2400" dirty="0" smtClean="0"/>
           </a:p>

--- a/native application.pptx
+++ b/native application.pptx
@@ -26,8 +26,9 @@
     <p:sldId id="276" r:id="rId20"/>
     <p:sldId id="277" r:id="rId21"/>
     <p:sldId id="278" r:id="rId22"/>
-    <p:sldId id="279" r:id="rId23"/>
-    <p:sldId id="280" r:id="rId24"/>
+    <p:sldId id="280" r:id="rId23"/>
+    <p:sldId id="281" r:id="rId24"/>
+    <p:sldId id="282" r:id="rId25"/>
   </p:sldIdLst>
   <p:sldSz cx="9144000" cy="6858000" type="screen4x3"/>
   <p:notesSz cx="6858000" cy="9144000"/>
@@ -310,7 +311,7 @@
           <a:p>
             <a:fld id="{AA309A6D-C09C-4548-B29A-6CF363A7E532}" type="datetimeFigureOut">
               <a:rPr lang="fr-FR" smtClean="0"/>
-              <a:t>25/03/2020</a:t>
+              <a:t>27/03/2020</a:t>
             </a:fld>
             <a:endParaRPr lang="fr-BE"/>
           </a:p>
@@ -475,7 +476,7 @@
           <a:p>
             <a:fld id="{AA309A6D-C09C-4548-B29A-6CF363A7E532}" type="datetimeFigureOut">
               <a:rPr lang="fr-FR" smtClean="0"/>
-              <a:t>25/03/2020</a:t>
+              <a:t>27/03/2020</a:t>
             </a:fld>
             <a:endParaRPr lang="fr-BE"/>
           </a:p>
@@ -650,7 +651,7 @@
           <a:p>
             <a:fld id="{AA309A6D-C09C-4548-B29A-6CF363A7E532}" type="datetimeFigureOut">
               <a:rPr lang="fr-FR" smtClean="0"/>
-              <a:t>25/03/2020</a:t>
+              <a:t>27/03/2020</a:t>
             </a:fld>
             <a:endParaRPr lang="fr-BE"/>
           </a:p>
@@ -815,7 +816,7 @@
           <a:p>
             <a:fld id="{AA309A6D-C09C-4548-B29A-6CF363A7E532}" type="datetimeFigureOut">
               <a:rPr lang="fr-FR" smtClean="0"/>
-              <a:t>25/03/2020</a:t>
+              <a:t>27/03/2020</a:t>
             </a:fld>
             <a:endParaRPr lang="fr-BE"/>
           </a:p>
@@ -1056,7 +1057,7 @@
           <a:p>
             <a:fld id="{AA309A6D-C09C-4548-B29A-6CF363A7E532}" type="datetimeFigureOut">
               <a:rPr lang="fr-FR" smtClean="0"/>
-              <a:t>25/03/2020</a:t>
+              <a:t>27/03/2020</a:t>
             </a:fld>
             <a:endParaRPr lang="fr-BE"/>
           </a:p>
@@ -1339,7 +1340,7 @@
           <a:p>
             <a:fld id="{AA309A6D-C09C-4548-B29A-6CF363A7E532}" type="datetimeFigureOut">
               <a:rPr lang="fr-FR" smtClean="0"/>
-              <a:t>25/03/2020</a:t>
+              <a:t>27/03/2020</a:t>
             </a:fld>
             <a:endParaRPr lang="fr-BE"/>
           </a:p>
@@ -1756,7 +1757,7 @@
           <a:p>
             <a:fld id="{AA309A6D-C09C-4548-B29A-6CF363A7E532}" type="datetimeFigureOut">
               <a:rPr lang="fr-FR" smtClean="0"/>
-              <a:t>25/03/2020</a:t>
+              <a:t>27/03/2020</a:t>
             </a:fld>
             <a:endParaRPr lang="fr-BE"/>
           </a:p>
@@ -1869,7 +1870,7 @@
           <a:p>
             <a:fld id="{AA309A6D-C09C-4548-B29A-6CF363A7E532}" type="datetimeFigureOut">
               <a:rPr lang="fr-FR" smtClean="0"/>
-              <a:t>25/03/2020</a:t>
+              <a:t>27/03/2020</a:t>
             </a:fld>
             <a:endParaRPr lang="fr-BE"/>
           </a:p>
@@ -1959,7 +1960,7 @@
           <a:p>
             <a:fld id="{AA309A6D-C09C-4548-B29A-6CF363A7E532}" type="datetimeFigureOut">
               <a:rPr lang="fr-FR" smtClean="0"/>
-              <a:t>25/03/2020</a:t>
+              <a:t>27/03/2020</a:t>
             </a:fld>
             <a:endParaRPr lang="fr-BE"/>
           </a:p>
@@ -2231,7 +2232,7 @@
           <a:p>
             <a:fld id="{AA309A6D-C09C-4548-B29A-6CF363A7E532}" type="datetimeFigureOut">
               <a:rPr lang="fr-FR" smtClean="0"/>
-              <a:t>25/03/2020</a:t>
+              <a:t>27/03/2020</a:t>
             </a:fld>
             <a:endParaRPr lang="fr-BE"/>
           </a:p>
@@ -2479,7 +2480,7 @@
           <a:p>
             <a:fld id="{AA309A6D-C09C-4548-B29A-6CF363A7E532}" type="datetimeFigureOut">
               <a:rPr lang="fr-FR" smtClean="0"/>
-              <a:t>25/03/2020</a:t>
+              <a:t>27/03/2020</a:t>
             </a:fld>
             <a:endParaRPr lang="fr-BE"/>
           </a:p>
@@ -2687,7 +2688,7 @@
           <a:p>
             <a:fld id="{AA309A6D-C09C-4548-B29A-6CF363A7E532}" type="datetimeFigureOut">
               <a:rPr lang="fr-FR" smtClean="0"/>
-              <a:t>25/03/2020</a:t>
+              <a:t>27/03/2020</a:t>
             </a:fld>
             <a:endParaRPr lang="fr-BE"/>
           </a:p>
@@ -5686,6 +5687,228 @@
           <a:chExt cx="0" cy="0"/>
         </a:xfrm>
       </p:grpSpPr>
+      <p:sp>
+        <p:nvSpPr>
+          <p:cNvPr id="2" name="ZoneTexte 1"/>
+          <p:cNvSpPr txBox="1"/>
+          <p:nvPr/>
+        </p:nvSpPr>
+        <p:spPr>
+          <a:xfrm>
+            <a:off x="10166" y="188640"/>
+            <a:ext cx="1521891" cy="461665"/>
+          </a:xfrm>
+          <a:prstGeom prst="rect">
+            <a:avLst/>
+          </a:prstGeom>
+          <a:noFill/>
+        </p:spPr>
+        <p:txBody>
+          <a:bodyPr wrap="none" rtlCol="0">
+            <a:spAutoFit/>
+          </a:bodyPr>
+          <a:lstStyle/>
+          <a:p>
+            <a:r>
+              <a:rPr lang="fr-FR" sz="2400" b="1" dirty="0" smtClean="0"/>
+              <a:t>navigation</a:t>
+            </a:r>
+            <a:endParaRPr lang="fr-FR" b="1" dirty="0"/>
+          </a:p>
+        </p:txBody>
+      </p:sp>
+      <p:pic>
+        <p:nvPicPr>
+          <p:cNvPr id="2050" name="Picture 2"/>
+          <p:cNvPicPr>
+            <a:picLocks noChangeAspect="1" noChangeArrowheads="1"/>
+          </p:cNvPicPr>
+          <p:nvPr/>
+        </p:nvPicPr>
+        <p:blipFill>
+          <a:blip r:embed="rId2">
+            <a:extLst>
+              <a:ext uri="{28A0092B-C50C-407E-A947-70E740481C1C}">
+                <a14:useLocalDpi xmlns:a14="http://schemas.microsoft.com/office/drawing/2010/main" val="0"/>
+              </a:ext>
+            </a:extLst>
+          </a:blip>
+          <a:srcRect/>
+          <a:stretch>
+            <a:fillRect/>
+          </a:stretch>
+        </p:blipFill>
+        <p:spPr bwMode="auto">
+          <a:xfrm>
+            <a:off x="33474" y="764704"/>
+            <a:ext cx="8105775" cy="1028700"/>
+          </a:xfrm>
+          <a:prstGeom prst="rect">
+            <a:avLst/>
+          </a:prstGeom>
+          <a:noFill/>
+          <a:ln>
+            <a:noFill/>
+          </a:ln>
+          <a:effectLst/>
+          <a:extLst>
+            <a:ext uri="{909E8E84-426E-40DD-AFC4-6F175D3DCCD1}">
+              <a14:hiddenFill xmlns:a14="http://schemas.microsoft.com/office/drawing/2010/main">
+                <a:solidFill>
+                  <a:schemeClr val="accent1"/>
+                </a:solidFill>
+              </a14:hiddenFill>
+            </a:ext>
+            <a:ext uri="{91240B29-F687-4F45-9708-019B960494DF}">
+              <a14:hiddenLine xmlns:a14="http://schemas.microsoft.com/office/drawing/2010/main" w="9525">
+                <a:solidFill>
+                  <a:schemeClr val="tx1"/>
+                </a:solidFill>
+                <a:miter lim="800000"/>
+                <a:headEnd/>
+                <a:tailEnd/>
+              </a14:hiddenLine>
+            </a:ext>
+            <a:ext uri="{AF507438-7753-43E0-B8FC-AC1667EBCBE1}">
+              <a14:hiddenEffects xmlns:a14="http://schemas.microsoft.com/office/drawing/2010/main">
+                <a:effectLst>
+                  <a:outerShdw dist="35921" dir="2700000" algn="ctr" rotWithShape="0">
+                    <a:schemeClr val="bg2"/>
+                  </a:outerShdw>
+                </a:effectLst>
+              </a14:hiddenEffects>
+            </a:ext>
+          </a:extLst>
+        </p:spPr>
+      </p:pic>
+      <p:pic>
+        <p:nvPicPr>
+          <p:cNvPr id="1026" name="Picture 2"/>
+          <p:cNvPicPr>
+            <a:picLocks noChangeAspect="1" noChangeArrowheads="1"/>
+          </p:cNvPicPr>
+          <p:nvPr/>
+        </p:nvPicPr>
+        <p:blipFill>
+          <a:blip r:embed="rId3">
+            <a:extLst>
+              <a:ext uri="{28A0092B-C50C-407E-A947-70E740481C1C}">
+                <a14:useLocalDpi xmlns:a14="http://schemas.microsoft.com/office/drawing/2010/main" val="0"/>
+              </a:ext>
+            </a:extLst>
+          </a:blip>
+          <a:srcRect/>
+          <a:stretch>
+            <a:fillRect/>
+          </a:stretch>
+        </p:blipFill>
+        <p:spPr bwMode="auto">
+          <a:xfrm>
+            <a:off x="42927" y="2420888"/>
+            <a:ext cx="9010650" cy="1438275"/>
+          </a:xfrm>
+          <a:prstGeom prst="rect">
+            <a:avLst/>
+          </a:prstGeom>
+          <a:noFill/>
+          <a:ln>
+            <a:noFill/>
+          </a:ln>
+          <a:effectLst/>
+          <a:extLst>
+            <a:ext uri="{909E8E84-426E-40DD-AFC4-6F175D3DCCD1}">
+              <a14:hiddenFill xmlns:a14="http://schemas.microsoft.com/office/drawing/2010/main">
+                <a:solidFill>
+                  <a:schemeClr val="accent1"/>
+                </a:solidFill>
+              </a14:hiddenFill>
+            </a:ext>
+            <a:ext uri="{91240B29-F687-4F45-9708-019B960494DF}">
+              <a14:hiddenLine xmlns:a14="http://schemas.microsoft.com/office/drawing/2010/main" w="9525">
+                <a:solidFill>
+                  <a:schemeClr val="tx1"/>
+                </a:solidFill>
+                <a:miter lim="800000"/>
+                <a:headEnd/>
+                <a:tailEnd/>
+              </a14:hiddenLine>
+            </a:ext>
+            <a:ext uri="{AF507438-7753-43E0-B8FC-AC1667EBCBE1}">
+              <a14:hiddenEffects xmlns:a14="http://schemas.microsoft.com/office/drawing/2010/main">
+                <a:effectLst>
+                  <a:outerShdw dist="35921" dir="2700000" algn="ctr" rotWithShape="0">
+                    <a:schemeClr val="bg2"/>
+                  </a:outerShdw>
+                </a:effectLst>
+              </a14:hiddenEffects>
+            </a:ext>
+          </a:extLst>
+        </p:spPr>
+      </p:pic>
+      <p:pic>
+        <p:nvPicPr>
+          <p:cNvPr id="1028" name="Picture 4"/>
+          <p:cNvPicPr>
+            <a:picLocks noChangeAspect="1" noChangeArrowheads="1"/>
+          </p:cNvPicPr>
+          <p:nvPr/>
+        </p:nvPicPr>
+        <p:blipFill>
+          <a:blip r:embed="rId4">
+            <a:extLst>
+              <a:ext uri="{28A0092B-C50C-407E-A947-70E740481C1C}">
+                <a14:useLocalDpi xmlns:a14="http://schemas.microsoft.com/office/drawing/2010/main" val="0"/>
+              </a:ext>
+            </a:extLst>
+          </a:blip>
+          <a:srcRect/>
+          <a:stretch>
+            <a:fillRect/>
+          </a:stretch>
+        </p:blipFill>
+        <p:spPr bwMode="auto">
+          <a:xfrm>
+            <a:off x="33474" y="4159807"/>
+            <a:ext cx="8915400" cy="1514475"/>
+          </a:xfrm>
+          <a:prstGeom prst="rect">
+            <a:avLst/>
+          </a:prstGeom>
+          <a:noFill/>
+          <a:ln>
+            <a:noFill/>
+          </a:ln>
+          <a:effectLst/>
+          <a:extLst>
+            <a:ext uri="{909E8E84-426E-40DD-AFC4-6F175D3DCCD1}">
+              <a14:hiddenFill xmlns:a14="http://schemas.microsoft.com/office/drawing/2010/main">
+                <a:solidFill>
+                  <a:schemeClr val="accent1"/>
+                </a:solidFill>
+              </a14:hiddenFill>
+            </a:ext>
+            <a:ext uri="{91240B29-F687-4F45-9708-019B960494DF}">
+              <a14:hiddenLine xmlns:a14="http://schemas.microsoft.com/office/drawing/2010/main" w="9525">
+                <a:solidFill>
+                  <a:schemeClr val="tx1"/>
+                </a:solidFill>
+                <a:miter lim="800000"/>
+                <a:headEnd/>
+                <a:tailEnd/>
+              </a14:hiddenLine>
+            </a:ext>
+            <a:ext uri="{AF507438-7753-43E0-B8FC-AC1667EBCBE1}">
+              <a14:hiddenEffects xmlns:a14="http://schemas.microsoft.com/office/drawing/2010/main">
+                <a:effectLst>
+                  <a:outerShdw dist="35921" dir="2700000" algn="ctr" rotWithShape="0">
+                    <a:schemeClr val="bg2"/>
+                  </a:outerShdw>
+                </a:effectLst>
+              </a14:hiddenEffects>
+            </a:ext>
+          </a:extLst>
+        </p:spPr>
+      </p:pic>
     </p:spTree>
     <p:extLst>
       <p:ext uri="{BB962C8B-B14F-4D97-AF65-F5344CB8AC3E}">
@@ -5723,23 +5946,276 @@
           <a:chExt cx="0" cy="0"/>
         </a:xfrm>
       </p:grpSpPr>
+      <p:sp>
+        <p:nvSpPr>
+          <p:cNvPr id="2" name="Titre 1"/>
+          <p:cNvSpPr>
+            <a:spLocks noGrp="1"/>
+          </p:cNvSpPr>
+          <p:nvPr>
+            <p:ph type="title"/>
+          </p:nvPr>
+        </p:nvSpPr>
+        <p:spPr/>
+        <p:txBody>
+          <a:bodyPr/>
+          <a:lstStyle/>
+          <a:p>
+            <a:endParaRPr lang="fr-FR"/>
+          </a:p>
+        </p:txBody>
+      </p:sp>
+      <p:sp>
+        <p:nvSpPr>
+          <p:cNvPr id="3" name="Espace réservé du contenu 2"/>
+          <p:cNvSpPr>
+            <a:spLocks noGrp="1"/>
+          </p:cNvSpPr>
+          <p:nvPr>
+            <p:ph idx="1"/>
+          </p:nvPr>
+        </p:nvSpPr>
+        <p:spPr/>
+        <p:txBody>
+          <a:bodyPr/>
+          <a:lstStyle/>
+          <a:p>
+            <a:endParaRPr lang="fr-FR"/>
+          </a:p>
+        </p:txBody>
+      </p:sp>
+      <p:pic>
+        <p:nvPicPr>
+          <p:cNvPr id="2050" name="Picture 2"/>
+          <p:cNvPicPr>
+            <a:picLocks noChangeAspect="1" noChangeArrowheads="1"/>
+          </p:cNvPicPr>
+          <p:nvPr/>
+        </p:nvPicPr>
+        <p:blipFill>
+          <a:blip r:embed="rId2">
+            <a:extLst>
+              <a:ext uri="{28A0092B-C50C-407E-A947-70E740481C1C}">
+                <a14:useLocalDpi xmlns:a14="http://schemas.microsoft.com/office/drawing/2010/main" val="0"/>
+              </a:ext>
+            </a:extLst>
+          </a:blip>
+          <a:srcRect/>
+          <a:stretch>
+            <a:fillRect/>
+          </a:stretch>
+        </p:blipFill>
+        <p:spPr bwMode="auto">
+          <a:xfrm>
+            <a:off x="390525" y="157163"/>
+            <a:ext cx="8362950" cy="6543675"/>
+          </a:xfrm>
+          <a:prstGeom prst="rect">
+            <a:avLst/>
+          </a:prstGeom>
+          <a:noFill/>
+          <a:ln>
+            <a:noFill/>
+          </a:ln>
+          <a:effectLst/>
+          <a:extLst>
+            <a:ext uri="{909E8E84-426E-40DD-AFC4-6F175D3DCCD1}">
+              <a14:hiddenFill xmlns:a14="http://schemas.microsoft.com/office/drawing/2010/main">
+                <a:solidFill>
+                  <a:schemeClr val="accent1"/>
+                </a:solidFill>
+              </a14:hiddenFill>
+            </a:ext>
+            <a:ext uri="{91240B29-F687-4F45-9708-019B960494DF}">
+              <a14:hiddenLine xmlns:a14="http://schemas.microsoft.com/office/drawing/2010/main" w="9525">
+                <a:solidFill>
+                  <a:schemeClr val="tx1"/>
+                </a:solidFill>
+                <a:miter lim="800000"/>
+                <a:headEnd/>
+                <a:tailEnd/>
+              </a14:hiddenLine>
+            </a:ext>
+            <a:ext uri="{AF507438-7753-43E0-B8FC-AC1667EBCBE1}">
+              <a14:hiddenEffects xmlns:a14="http://schemas.microsoft.com/office/drawing/2010/main">
+                <a:effectLst>
+                  <a:outerShdw dist="35921" dir="2700000" algn="ctr" rotWithShape="0">
+                    <a:schemeClr val="bg2"/>
+                  </a:outerShdw>
+                </a:effectLst>
+              </a14:hiddenEffects>
+            </a:ext>
+          </a:extLst>
+        </p:spPr>
+      </p:pic>
     </p:spTree>
     <p:extLst>
       <p:ext uri="{BB962C8B-B14F-4D97-AF65-F5344CB8AC3E}">
-        <p14:creationId xmlns:p14="http://schemas.microsoft.com/office/powerpoint/2010/main" val="2959498492"/>
+        <p14:creationId xmlns:p14="http://schemas.microsoft.com/office/powerpoint/2010/main" val="3531187683"/>
       </p:ext>
     </p:extLst>
   </p:cSld>
   <p:clrMapOvr>
     <a:masterClrMapping/>
   </p:clrMapOvr>
-  <p:timing>
-    <p:tnLst>
-      <p:par>
-        <p:cTn id="1" dur="indefinite" restart="never" nodeType="tmRoot"/>
-      </p:par>
-    </p:tnLst>
-  </p:timing>
+</p:sld>
+</file>
+
+<file path=ppt/slides/slide24.xml><?xml version="1.0" encoding="utf-8"?>
+<p:sld xmlns:a="http://schemas.openxmlformats.org/drawingml/2006/main" xmlns:r="http://schemas.openxmlformats.org/officeDocument/2006/relationships" xmlns:p="http://schemas.openxmlformats.org/presentationml/2006/main">
+  <p:cSld>
+    <p:spTree>
+      <p:nvGrpSpPr>
+        <p:cNvPr id="1" name=""/>
+        <p:cNvGrpSpPr/>
+        <p:nvPr/>
+      </p:nvGrpSpPr>
+      <p:grpSpPr>
+        <a:xfrm>
+          <a:off x="0" y="0"/>
+          <a:ext cx="0" cy="0"/>
+          <a:chOff x="0" y="0"/>
+          <a:chExt cx="0" cy="0"/>
+        </a:xfrm>
+      </p:grpSpPr>
+      <p:pic>
+        <p:nvPicPr>
+          <p:cNvPr id="1026" name="Picture 2"/>
+          <p:cNvPicPr>
+            <a:picLocks noChangeAspect="1" noChangeArrowheads="1"/>
+          </p:cNvPicPr>
+          <p:nvPr/>
+        </p:nvPicPr>
+        <p:blipFill>
+          <a:blip r:embed="rId2">
+            <a:extLst>
+              <a:ext uri="{28A0092B-C50C-407E-A947-70E740481C1C}">
+                <a14:useLocalDpi xmlns:a14="http://schemas.microsoft.com/office/drawing/2010/main" val="0"/>
+              </a:ext>
+            </a:extLst>
+          </a:blip>
+          <a:srcRect/>
+          <a:stretch>
+            <a:fillRect/>
+          </a:stretch>
+        </p:blipFill>
+        <p:spPr bwMode="auto">
+          <a:xfrm>
+            <a:off x="179512" y="260648"/>
+            <a:ext cx="7705725" cy="638175"/>
+          </a:xfrm>
+          <a:prstGeom prst="rect">
+            <a:avLst/>
+          </a:prstGeom>
+          <a:noFill/>
+          <a:ln>
+            <a:noFill/>
+          </a:ln>
+          <a:effectLst/>
+          <a:extLst>
+            <a:ext uri="{909E8E84-426E-40DD-AFC4-6F175D3DCCD1}">
+              <a14:hiddenFill xmlns:a14="http://schemas.microsoft.com/office/drawing/2010/main">
+                <a:solidFill>
+                  <a:schemeClr val="accent1"/>
+                </a:solidFill>
+              </a14:hiddenFill>
+            </a:ext>
+            <a:ext uri="{91240B29-F687-4F45-9708-019B960494DF}">
+              <a14:hiddenLine xmlns:a14="http://schemas.microsoft.com/office/drawing/2010/main" w="9525">
+                <a:solidFill>
+                  <a:schemeClr val="tx1"/>
+                </a:solidFill>
+                <a:miter lim="800000"/>
+                <a:headEnd/>
+                <a:tailEnd/>
+              </a14:hiddenLine>
+            </a:ext>
+            <a:ext uri="{AF507438-7753-43E0-B8FC-AC1667EBCBE1}">
+              <a14:hiddenEffects xmlns:a14="http://schemas.microsoft.com/office/drawing/2010/main">
+                <a:effectLst>
+                  <a:outerShdw dist="35921" dir="2700000" algn="ctr" rotWithShape="0">
+                    <a:schemeClr val="bg2"/>
+                  </a:outerShdw>
+                </a:effectLst>
+              </a14:hiddenEffects>
+            </a:ext>
+          </a:extLst>
+        </p:spPr>
+      </p:pic>
+      <p:pic>
+        <p:nvPicPr>
+          <p:cNvPr id="1027" name="Picture 3"/>
+          <p:cNvPicPr>
+            <a:picLocks noChangeAspect="1" noChangeArrowheads="1"/>
+          </p:cNvPicPr>
+          <p:nvPr/>
+        </p:nvPicPr>
+        <p:blipFill>
+          <a:blip r:embed="rId3">
+            <a:extLst>
+              <a:ext uri="{28A0092B-C50C-407E-A947-70E740481C1C}">
+                <a14:useLocalDpi xmlns:a14="http://schemas.microsoft.com/office/drawing/2010/main" val="0"/>
+              </a:ext>
+            </a:extLst>
+          </a:blip>
+          <a:srcRect/>
+          <a:stretch>
+            <a:fillRect/>
+          </a:stretch>
+        </p:blipFill>
+        <p:spPr bwMode="auto">
+          <a:xfrm>
+            <a:off x="565274" y="1196752"/>
+            <a:ext cx="6934200" cy="752475"/>
+          </a:xfrm>
+          <a:prstGeom prst="rect">
+            <a:avLst/>
+          </a:prstGeom>
+          <a:noFill/>
+          <a:ln>
+            <a:noFill/>
+          </a:ln>
+          <a:effectLst/>
+          <a:extLst>
+            <a:ext uri="{909E8E84-426E-40DD-AFC4-6F175D3DCCD1}">
+              <a14:hiddenFill xmlns:a14="http://schemas.microsoft.com/office/drawing/2010/main">
+                <a:solidFill>
+                  <a:schemeClr val="accent1"/>
+                </a:solidFill>
+              </a14:hiddenFill>
+            </a:ext>
+            <a:ext uri="{91240B29-F687-4F45-9708-019B960494DF}">
+              <a14:hiddenLine xmlns:a14="http://schemas.microsoft.com/office/drawing/2010/main" w="9525">
+                <a:solidFill>
+                  <a:schemeClr val="tx1"/>
+                </a:solidFill>
+                <a:miter lim="800000"/>
+                <a:headEnd/>
+                <a:tailEnd/>
+              </a14:hiddenLine>
+            </a:ext>
+            <a:ext uri="{AF507438-7753-43E0-B8FC-AC1667EBCBE1}">
+              <a14:hiddenEffects xmlns:a14="http://schemas.microsoft.com/office/drawing/2010/main">
+                <a:effectLst>
+                  <a:outerShdw dist="35921" dir="2700000" algn="ctr" rotWithShape="0">
+                    <a:schemeClr val="bg2"/>
+                  </a:outerShdw>
+                </a:effectLst>
+              </a14:hiddenEffects>
+            </a:ext>
+          </a:extLst>
+        </p:spPr>
+      </p:pic>
+    </p:spTree>
+    <p:extLst>
+      <p:ext uri="{BB962C8B-B14F-4D97-AF65-F5344CB8AC3E}">
+        <p14:creationId xmlns:p14="http://schemas.microsoft.com/office/powerpoint/2010/main" val="1954700258"/>
+      </p:ext>
+    </p:extLst>
+  </p:cSld>
+  <p:clrMapOvr>
+    <a:masterClrMapping/>
+  </p:clrMapOvr>
 </p:sld>
 </file>
 

--- a/native application.pptx
+++ b/native application.pptx
@@ -29,6 +29,7 @@
     <p:sldId id="280" r:id="rId23"/>
     <p:sldId id="281" r:id="rId24"/>
     <p:sldId id="282" r:id="rId25"/>
+    <p:sldId id="283" r:id="rId26"/>
   </p:sldIdLst>
   <p:sldSz cx="9144000" cy="6858000" type="screen4x3"/>
   <p:notesSz cx="6858000" cy="9144000"/>
@@ -311,7 +312,7 @@
           <a:p>
             <a:fld id="{AA309A6D-C09C-4548-B29A-6CF363A7E532}" type="datetimeFigureOut">
               <a:rPr lang="fr-FR" smtClean="0"/>
-              <a:t>27/03/2020</a:t>
+              <a:t>28/03/2020</a:t>
             </a:fld>
             <a:endParaRPr lang="fr-BE"/>
           </a:p>
@@ -476,7 +477,7 @@
           <a:p>
             <a:fld id="{AA309A6D-C09C-4548-B29A-6CF363A7E532}" type="datetimeFigureOut">
               <a:rPr lang="fr-FR" smtClean="0"/>
-              <a:t>27/03/2020</a:t>
+              <a:t>28/03/2020</a:t>
             </a:fld>
             <a:endParaRPr lang="fr-BE"/>
           </a:p>
@@ -651,7 +652,7 @@
           <a:p>
             <a:fld id="{AA309A6D-C09C-4548-B29A-6CF363A7E532}" type="datetimeFigureOut">
               <a:rPr lang="fr-FR" smtClean="0"/>
-              <a:t>27/03/2020</a:t>
+              <a:t>28/03/2020</a:t>
             </a:fld>
             <a:endParaRPr lang="fr-BE"/>
           </a:p>
@@ -816,7 +817,7 @@
           <a:p>
             <a:fld id="{AA309A6D-C09C-4548-B29A-6CF363A7E532}" type="datetimeFigureOut">
               <a:rPr lang="fr-FR" smtClean="0"/>
-              <a:t>27/03/2020</a:t>
+              <a:t>28/03/2020</a:t>
             </a:fld>
             <a:endParaRPr lang="fr-BE"/>
           </a:p>
@@ -1057,7 +1058,7 @@
           <a:p>
             <a:fld id="{AA309A6D-C09C-4548-B29A-6CF363A7E532}" type="datetimeFigureOut">
               <a:rPr lang="fr-FR" smtClean="0"/>
-              <a:t>27/03/2020</a:t>
+              <a:t>28/03/2020</a:t>
             </a:fld>
             <a:endParaRPr lang="fr-BE"/>
           </a:p>
@@ -1340,7 +1341,7 @@
           <a:p>
             <a:fld id="{AA309A6D-C09C-4548-B29A-6CF363A7E532}" type="datetimeFigureOut">
               <a:rPr lang="fr-FR" smtClean="0"/>
-              <a:t>27/03/2020</a:t>
+              <a:t>28/03/2020</a:t>
             </a:fld>
             <a:endParaRPr lang="fr-BE"/>
           </a:p>
@@ -1757,7 +1758,7 @@
           <a:p>
             <a:fld id="{AA309A6D-C09C-4548-B29A-6CF363A7E532}" type="datetimeFigureOut">
               <a:rPr lang="fr-FR" smtClean="0"/>
-              <a:t>27/03/2020</a:t>
+              <a:t>28/03/2020</a:t>
             </a:fld>
             <a:endParaRPr lang="fr-BE"/>
           </a:p>
@@ -1870,7 +1871,7 @@
           <a:p>
             <a:fld id="{AA309A6D-C09C-4548-B29A-6CF363A7E532}" type="datetimeFigureOut">
               <a:rPr lang="fr-FR" smtClean="0"/>
-              <a:t>27/03/2020</a:t>
+              <a:t>28/03/2020</a:t>
             </a:fld>
             <a:endParaRPr lang="fr-BE"/>
           </a:p>
@@ -1960,7 +1961,7 @@
           <a:p>
             <a:fld id="{AA309A6D-C09C-4548-B29A-6CF363A7E532}" type="datetimeFigureOut">
               <a:rPr lang="fr-FR" smtClean="0"/>
-              <a:t>27/03/2020</a:t>
+              <a:t>28/03/2020</a:t>
             </a:fld>
             <a:endParaRPr lang="fr-BE"/>
           </a:p>
@@ -2232,7 +2233,7 @@
           <a:p>
             <a:fld id="{AA309A6D-C09C-4548-B29A-6CF363A7E532}" type="datetimeFigureOut">
               <a:rPr lang="fr-FR" smtClean="0"/>
-              <a:t>27/03/2020</a:t>
+              <a:t>28/03/2020</a:t>
             </a:fld>
             <a:endParaRPr lang="fr-BE"/>
           </a:p>
@@ -2480,7 +2481,7 @@
           <a:p>
             <a:fld id="{AA309A6D-C09C-4548-B29A-6CF363A7E532}" type="datetimeFigureOut">
               <a:rPr lang="fr-FR" smtClean="0"/>
-              <a:t>27/03/2020</a:t>
+              <a:t>28/03/2020</a:t>
             </a:fld>
             <a:endParaRPr lang="fr-BE"/>
           </a:p>
@@ -2688,7 +2689,7 @@
           <a:p>
             <a:fld id="{AA309A6D-C09C-4548-B29A-6CF363A7E532}" type="datetimeFigureOut">
               <a:rPr lang="fr-FR" smtClean="0"/>
-              <a:t>27/03/2020</a:t>
+              <a:t>28/03/2020</a:t>
             </a:fld>
             <a:endParaRPr lang="fr-BE"/>
           </a:p>
@@ -6210,6 +6211,88 @@
     <p:extLst>
       <p:ext uri="{BB962C8B-B14F-4D97-AF65-F5344CB8AC3E}">
         <p14:creationId xmlns:p14="http://schemas.microsoft.com/office/powerpoint/2010/main" val="1954700258"/>
+      </p:ext>
+    </p:extLst>
+  </p:cSld>
+  <p:clrMapOvr>
+    <a:masterClrMapping/>
+  </p:clrMapOvr>
+</p:sld>
+</file>
+
+<file path=ppt/slides/slide25.xml><?xml version="1.0" encoding="utf-8"?>
+<p:sld xmlns:a="http://schemas.openxmlformats.org/drawingml/2006/main" xmlns:r="http://schemas.openxmlformats.org/officeDocument/2006/relationships" xmlns:p="http://schemas.openxmlformats.org/presentationml/2006/main">
+  <p:cSld>
+    <p:spTree>
+      <p:nvGrpSpPr>
+        <p:cNvPr id="1" name=""/>
+        <p:cNvGrpSpPr/>
+        <p:nvPr/>
+      </p:nvGrpSpPr>
+      <p:grpSpPr>
+        <a:xfrm>
+          <a:off x="0" y="0"/>
+          <a:ext cx="0" cy="0"/>
+          <a:chOff x="0" y="0"/>
+          <a:chExt cx="0" cy="0"/>
+        </a:xfrm>
+      </p:grpSpPr>
+      <p:sp>
+        <p:nvSpPr>
+          <p:cNvPr id="2" name="Titre 1"/>
+          <p:cNvSpPr>
+            <a:spLocks noGrp="1"/>
+          </p:cNvSpPr>
+          <p:nvPr>
+            <p:ph type="title"/>
+          </p:nvPr>
+        </p:nvSpPr>
+        <p:spPr/>
+        <p:txBody>
+          <a:bodyPr>
+            <a:normAutofit fontScale="90000"/>
+          </a:bodyPr>
+          <a:lstStyle/>
+          <a:p>
+            <a:r>
+              <a:rPr lang="fr-FR" dirty="0" smtClean="0"/>
+              <a:t>Cycle de vie</a:t>
+            </a:r>
+            <a:br>
+              <a:rPr lang="fr-FR" dirty="0" smtClean="0"/>
+            </a:br>
+            <a:endParaRPr lang="fr-FR" dirty="0"/>
+          </a:p>
+        </p:txBody>
+      </p:sp>
+      <p:sp>
+        <p:nvSpPr>
+          <p:cNvPr id="3" name="Espace réservé du contenu 2"/>
+          <p:cNvSpPr>
+            <a:spLocks noGrp="1"/>
+          </p:cNvSpPr>
+          <p:nvPr>
+            <p:ph idx="1"/>
+          </p:nvPr>
+        </p:nvSpPr>
+        <p:spPr>
+          <a:xfrm>
+            <a:off x="179512" y="1124744"/>
+            <a:ext cx="8507288" cy="5001419"/>
+          </a:xfrm>
+        </p:spPr>
+        <p:txBody>
+          <a:bodyPr/>
+          <a:lstStyle/>
+          <a:p>
+            <a:endParaRPr lang="fr-FR" dirty="0"/>
+          </a:p>
+        </p:txBody>
+      </p:sp>
+    </p:spTree>
+    <p:extLst>
+      <p:ext uri="{BB962C8B-B14F-4D97-AF65-F5344CB8AC3E}">
+        <p14:creationId xmlns:p14="http://schemas.microsoft.com/office/powerpoint/2010/main" val="1612469830"/>
       </p:ext>
     </p:extLst>
   </p:cSld>
